--- a/SQL vs NoSQL vs NewSQL - seconda presentazione.pptx
+++ b/SQL vs NoSQL vs NewSQL - seconda presentazione.pptx
@@ -128,6 +128,11 @@
       </a:defRPr>
     </a:lvl9pPr>
   </p:defaultTextStyle>
+  <p:extLst>
+    <p:ext uri="{EFAFB233-063F-42B5-8137-9DF3F51BA10A}">
+      <p15:sldGuideLst xmlns:p15="http://schemas.microsoft.com/office/powerpoint/2012/main"/>
+    </p:ext>
+  </p:extLst>
 </p:presentation>
 </file>
 
@@ -278,7 +283,7 @@
           <a:p>
             <a:fld id="{D293EFAB-ED5B-4AAE-9D72-82012886A754}" type="datetimeFigureOut">
               <a:rPr lang="it-IT" smtClean="0"/>
-              <a:t>16/07/2017</a:t>
+              <a:t>17/07/2017</a:t>
             </a:fld>
             <a:endParaRPr lang="it-IT"/>
           </a:p>
@@ -476,7 +481,7 @@
           <a:p>
             <a:fld id="{D293EFAB-ED5B-4AAE-9D72-82012886A754}" type="datetimeFigureOut">
               <a:rPr lang="it-IT" smtClean="0"/>
-              <a:t>16/07/2017</a:t>
+              <a:t>17/07/2017</a:t>
             </a:fld>
             <a:endParaRPr lang="it-IT"/>
           </a:p>
@@ -684,7 +689,7 @@
           <a:p>
             <a:fld id="{D293EFAB-ED5B-4AAE-9D72-82012886A754}" type="datetimeFigureOut">
               <a:rPr lang="it-IT" smtClean="0"/>
-              <a:t>16/07/2017</a:t>
+              <a:t>17/07/2017</a:t>
             </a:fld>
             <a:endParaRPr lang="it-IT"/>
           </a:p>
@@ -882,7 +887,7 @@
           <a:p>
             <a:fld id="{D293EFAB-ED5B-4AAE-9D72-82012886A754}" type="datetimeFigureOut">
               <a:rPr lang="it-IT" smtClean="0"/>
-              <a:t>16/07/2017</a:t>
+              <a:t>17/07/2017</a:t>
             </a:fld>
             <a:endParaRPr lang="it-IT"/>
           </a:p>
@@ -1157,7 +1162,7 @@
           <a:p>
             <a:fld id="{D293EFAB-ED5B-4AAE-9D72-82012886A754}" type="datetimeFigureOut">
               <a:rPr lang="it-IT" smtClean="0"/>
-              <a:t>16/07/2017</a:t>
+              <a:t>17/07/2017</a:t>
             </a:fld>
             <a:endParaRPr lang="it-IT"/>
           </a:p>
@@ -1422,7 +1427,7 @@
           <a:p>
             <a:fld id="{D293EFAB-ED5B-4AAE-9D72-82012886A754}" type="datetimeFigureOut">
               <a:rPr lang="it-IT" smtClean="0"/>
-              <a:t>16/07/2017</a:t>
+              <a:t>17/07/2017</a:t>
             </a:fld>
             <a:endParaRPr lang="it-IT"/>
           </a:p>
@@ -1834,7 +1839,7 @@
           <a:p>
             <a:fld id="{D293EFAB-ED5B-4AAE-9D72-82012886A754}" type="datetimeFigureOut">
               <a:rPr lang="it-IT" smtClean="0"/>
-              <a:t>16/07/2017</a:t>
+              <a:t>17/07/2017</a:t>
             </a:fld>
             <a:endParaRPr lang="it-IT"/>
           </a:p>
@@ -1975,7 +1980,7 @@
           <a:p>
             <a:fld id="{D293EFAB-ED5B-4AAE-9D72-82012886A754}" type="datetimeFigureOut">
               <a:rPr lang="it-IT" smtClean="0"/>
-              <a:t>16/07/2017</a:t>
+              <a:t>17/07/2017</a:t>
             </a:fld>
             <a:endParaRPr lang="it-IT"/>
           </a:p>
@@ -2088,7 +2093,7 @@
           <a:p>
             <a:fld id="{D293EFAB-ED5B-4AAE-9D72-82012886A754}" type="datetimeFigureOut">
               <a:rPr lang="it-IT" smtClean="0"/>
-              <a:t>16/07/2017</a:t>
+              <a:t>17/07/2017</a:t>
             </a:fld>
             <a:endParaRPr lang="it-IT"/>
           </a:p>
@@ -2399,7 +2404,7 @@
           <a:p>
             <a:fld id="{D293EFAB-ED5B-4AAE-9D72-82012886A754}" type="datetimeFigureOut">
               <a:rPr lang="it-IT" smtClean="0"/>
-              <a:t>16/07/2017</a:t>
+              <a:t>17/07/2017</a:t>
             </a:fld>
             <a:endParaRPr lang="it-IT"/>
           </a:p>
@@ -2687,7 +2692,7 @@
           <a:p>
             <a:fld id="{D293EFAB-ED5B-4AAE-9D72-82012886A754}" type="datetimeFigureOut">
               <a:rPr lang="it-IT" smtClean="0"/>
-              <a:t>16/07/2017</a:t>
+              <a:t>17/07/2017</a:t>
             </a:fld>
             <a:endParaRPr lang="it-IT"/>
           </a:p>
@@ -2928,7 +2933,7 @@
           <a:p>
             <a:fld id="{D293EFAB-ED5B-4AAE-9D72-82012886A754}" type="datetimeFigureOut">
               <a:rPr lang="it-IT" smtClean="0"/>
-              <a:t>16/07/2017</a:t>
+              <a:t>17/07/2017</a:t>
             </a:fld>
             <a:endParaRPr lang="it-IT"/>
           </a:p>
@@ -8251,15 +8256,15 @@
             </a:r>
             <a:r>
               <a:rPr lang="it-IT" dirty="0"/>
-              <a:t> – </a:t>
+              <a:t> </a:t>
             </a:r>
             <a:r>
               <a:rPr lang="it-IT" dirty="0" err="1"/>
-              <a:t>misunderstood</a:t>
+              <a:t>should</a:t>
             </a:r>
             <a:r>
               <a:rPr lang="it-IT" dirty="0"/>
-              <a:t>?</a:t>
+              <a:t> relax</a:t>
             </a:r>
           </a:p>
         </p:txBody>

--- a/SQL vs NoSQL vs NewSQL - seconda presentazione.pptx
+++ b/SQL vs NoSQL vs NewSQL - seconda presentazione.pptx
@@ -5921,7 +5921,7 @@
           <a:p>
             <a:r>
               <a:rPr lang="it-IT" sz="2000" dirty="0"/>
-              <a:t>È davvero impossibile avere </a:t>
+              <a:t>È impossibile avere </a:t>
             </a:r>
             <a:r>
               <a:rPr lang="en-US" sz="2000" dirty="0"/>
@@ -5941,7 +5941,7 @@
             </a:r>
             <a:r>
               <a:rPr lang="en-US" sz="2000" dirty="0"/>
-              <a:t> tempo (“CAP theorem”)?</a:t>
+              <a:t> tempo (“CAP theorem”)</a:t>
             </a:r>
           </a:p>
           <a:p>
